--- a/doc/주식자동매매설계서v1.1.pptx
+++ b/doc/주식자동매매설계서v1.1.pptx
@@ -3087,7 +3087,6 @@
               <a:rPr lang="en-US" altLang="ko-KR" dirty="0" smtClean="0"/>
               <a:t>v1.0</a:t>
             </a:r>
-            <a:endParaRPr lang="en-US" altLang="ko-KR" dirty="0" smtClean="0"/>
           </a:p>
           <a:p>
             <a:r>
@@ -3157,11 +3156,7 @@
             </a:r>
             <a:r>
               <a:rPr lang="ko-KR" altLang="en-US" dirty="0" smtClean="0"/>
-              <a:t>매수 </a:t>
-            </a:r>
-            <a:r>
-              <a:rPr lang="ko-KR" altLang="en-US" dirty="0" smtClean="0"/>
-              <a:t>매도 </a:t>
+              <a:t>매수 매도 </a:t>
             </a:r>
             <a:endParaRPr lang="ko-KR" altLang="en-US" dirty="0"/>
           </a:p>
@@ -3205,11 +3200,7 @@
             <a:pPr algn="ctr"/>
             <a:r>
               <a:rPr lang="ko-KR" altLang="en-US" dirty="0" smtClean="0"/>
-              <a:t>매수리스트</a:t>
-            </a:r>
-            <a:r>
-              <a:rPr lang="ko-KR" altLang="en-US" dirty="0" smtClean="0"/>
-              <a:t> </a:t>
+              <a:t>매수리스트 </a:t>
             </a:r>
             <a:r>
               <a:rPr lang="en-US" altLang="ko-KR" dirty="0" smtClean="0"/>
@@ -4344,7 +4335,7 @@
         </p:nvSpPr>
         <p:spPr>
           <a:xfrm>
-            <a:off x="3503139" y="2564904"/>
+            <a:off x="3464910" y="3356992"/>
             <a:ext cx="1224136" cy="792088"/>
           </a:xfrm>
           <a:prstGeom prst="ellipse">
@@ -4388,7 +4379,7 @@
         </p:nvSpPr>
         <p:spPr>
           <a:xfrm>
-            <a:off x="3471630" y="3861048"/>
+            <a:off x="3433401" y="4653136"/>
             <a:ext cx="1296144" cy="720080"/>
           </a:xfrm>
           <a:prstGeom prst="rect">
@@ -4439,7 +4430,7 @@
         </p:nvCxnSpPr>
         <p:spPr>
           <a:xfrm>
-            <a:off x="4115207" y="3356992"/>
+            <a:off x="4076978" y="4149080"/>
             <a:ext cx="4495" cy="504056"/>
           </a:xfrm>
           <a:prstGeom prst="straightConnector1">
@@ -4464,6 +4455,74 @@
           </a:fontRef>
         </p:style>
       </p:cxnSp>
+      <p:sp>
+        <p:nvSpPr>
+          <p:cNvPr id="3" name="타원 2"/>
+          <p:cNvSpPr/>
+          <p:nvPr/>
+        </p:nvSpPr>
+        <p:spPr>
+          <a:xfrm>
+            <a:off x="2514913" y="1484784"/>
+            <a:ext cx="3188602" cy="1368152"/>
+          </a:xfrm>
+          <a:prstGeom prst="ellipse">
+            <a:avLst/>
+          </a:prstGeom>
+        </p:spPr>
+        <p:style>
+          <a:lnRef idx="2">
+            <a:schemeClr val="accent1">
+              <a:shade val="50000"/>
+            </a:schemeClr>
+          </a:lnRef>
+          <a:fillRef idx="1">
+            <a:schemeClr val="accent1"/>
+          </a:fillRef>
+          <a:effectRef idx="0">
+            <a:schemeClr val="accent1"/>
+          </a:effectRef>
+          <a:fontRef idx="minor">
+            <a:schemeClr val="lt1"/>
+          </a:fontRef>
+        </p:style>
+        <p:txBody>
+          <a:bodyPr rtlCol="0" anchor="ctr"/>
+          <a:lstStyle/>
+          <a:p>
+            <a:pPr algn="ctr"/>
+            <a:r>
+              <a:rPr lang="ko-KR" altLang="en-US" dirty="0" smtClean="0"/>
+              <a:t>윈도우 </a:t>
+            </a:r>
+            <a:r>
+              <a:rPr lang="ko-KR" altLang="en-US" dirty="0" err="1" smtClean="0"/>
+              <a:t>스케쥴</a:t>
+            </a:r>
+            <a:r>
+              <a:rPr lang="en-US" altLang="ko-KR" dirty="0"/>
+              <a:t> </a:t>
+            </a:r>
+            <a:r>
+              <a:rPr lang="ko-KR" altLang="en-US" dirty="0" err="1" smtClean="0"/>
+              <a:t>세팅</a:t>
+            </a:r>
+            <a:endParaRPr lang="en-US" altLang="ko-KR" dirty="0" smtClean="0"/>
+          </a:p>
+          <a:p>
+            <a:pPr algn="ctr"/>
+            <a:r>
+              <a:rPr lang="en-US" altLang="ko-KR" dirty="0" smtClean="0"/>
+              <a:t>09:00 </a:t>
+            </a:r>
+            <a:r>
+              <a:rPr lang="ko-KR" altLang="en-US" dirty="0" smtClean="0"/>
+              <a:t>시작</a:t>
+            </a:r>
+            <a:endParaRPr lang="ko-KR" altLang="en-US" dirty="0"/>
+          </a:p>
+        </p:txBody>
+      </p:sp>
     </p:spTree>
     <p:extLst>
       <p:ext uri="{BB962C8B-B14F-4D97-AF65-F5344CB8AC3E}">
@@ -5274,7 +5333,7 @@
             <a:pPr algn="ctr"/>
             <a:r>
               <a:rPr lang="en-US" altLang="ko-KR" dirty="0" smtClean="0"/>
-              <a:t>09:02 </a:t>
+              <a:t>09:00 </a:t>
             </a:r>
             <a:r>
               <a:rPr lang="ko-KR" altLang="en-US" dirty="0" smtClean="0"/>
@@ -5284,61 +5343,6 @@
               <a:rPr lang="ko-KR" altLang="en-US" dirty="0"/>
               <a:t>인</a:t>
             </a:r>
-          </a:p>
-        </p:txBody>
-      </p:sp>
-      <p:sp>
-        <p:nvSpPr>
-          <p:cNvPr id="7" name="순서도: 처리 6"/>
-          <p:cNvSpPr/>
-          <p:nvPr/>
-        </p:nvSpPr>
-        <p:spPr>
-          <a:xfrm>
-            <a:off x="2519772" y="2924944"/>
-            <a:ext cx="2736304" cy="864096"/>
-          </a:xfrm>
-          <a:prstGeom prst="flowChartProcess">
-            <a:avLst/>
-          </a:prstGeom>
-          <a:solidFill>
-            <a:srgbClr val="FFFF00"/>
-          </a:solidFill>
-        </p:spPr>
-        <p:style>
-          <a:lnRef idx="2">
-            <a:schemeClr val="accent1">
-              <a:shade val="50000"/>
-            </a:schemeClr>
-          </a:lnRef>
-          <a:fillRef idx="1">
-            <a:schemeClr val="accent1"/>
-          </a:fillRef>
-          <a:effectRef idx="0">
-            <a:schemeClr val="accent1"/>
-          </a:effectRef>
-          <a:fontRef idx="minor">
-            <a:schemeClr val="lt1"/>
-          </a:fontRef>
-        </p:style>
-        <p:txBody>
-          <a:bodyPr rtlCol="0" anchor="ctr"/>
-          <a:lstStyle/>
-          <a:p>
-            <a:pPr algn="ctr"/>
-            <a:r>
-              <a:rPr lang="ko-KR" altLang="en-US" dirty="0" smtClean="0">
-                <a:solidFill>
-                  <a:schemeClr val="tx1"/>
-                </a:solidFill>
-              </a:rPr>
-              <a:t>가격급등 리스트 조회</a:t>
-            </a:r>
-            <a:endParaRPr lang="ko-KR" altLang="en-US" dirty="0">
-              <a:solidFill>
-                <a:schemeClr val="tx1"/>
-              </a:solidFill>
-            </a:endParaRPr>
           </a:p>
         </p:txBody>
       </p:sp>
@@ -5387,15 +5391,7 @@
                   <a:schemeClr val="tx1"/>
                 </a:solidFill>
               </a:rPr>
-              <a:t>매수</a:t>
-            </a:r>
-            <a:r>
-              <a:rPr lang="ko-KR" altLang="en-US" smtClean="0">
-                <a:solidFill>
-                  <a:schemeClr val="tx1"/>
-                </a:solidFill>
-              </a:rPr>
-              <a:t> </a:t>
+              <a:t>매수 </a:t>
             </a:r>
             <a:r>
               <a:rPr lang="ko-KR" altLang="en-US" dirty="0" smtClean="0">
@@ -5418,14 +5414,14 @@
           <p:cNvPr id="12" name="직선 화살표 연결선 11"/>
           <p:cNvCxnSpPr>
             <a:stCxn id="4" idx="2"/>
-            <a:endCxn id="7" idx="0"/>
+            <a:endCxn id="9" idx="0"/>
           </p:cNvCxnSpPr>
           <p:nvPr/>
         </p:nvCxnSpPr>
         <p:spPr>
           <a:xfrm>
             <a:off x="3887924" y="2408763"/>
-            <a:ext cx="0" cy="516181"/>
+            <a:ext cx="727" cy="372165"/>
           </a:xfrm>
           <a:prstGeom prst="straightConnector1">
             <a:avLst/>
@@ -5453,15 +5449,15 @@
         <p:nvCxnSpPr>
           <p:cNvPr id="14" name="직선 화살표 연결선 13"/>
           <p:cNvCxnSpPr>
-            <a:stCxn id="7" idx="2"/>
+            <a:stCxn id="9" idx="2"/>
             <a:endCxn id="8" idx="0"/>
           </p:cNvCxnSpPr>
           <p:nvPr/>
         </p:nvCxnSpPr>
         <p:spPr>
-          <a:xfrm>
-            <a:off x="3887924" y="3789040"/>
-            <a:ext cx="0" cy="576064"/>
+          <a:xfrm flipH="1">
+            <a:off x="3887924" y="3858752"/>
+            <a:ext cx="727" cy="506352"/>
           </a:xfrm>
           <a:prstGeom prst="straightConnector1">
             <a:avLst/>
@@ -5485,6 +5481,222 @@
           </a:fontRef>
         </p:style>
       </p:cxnSp>
+      <p:sp>
+        <p:nvSpPr>
+          <p:cNvPr id="9" name="순서도: 판단 8"/>
+          <p:cNvSpPr/>
+          <p:nvPr/>
+        </p:nvSpPr>
+        <p:spPr>
+          <a:xfrm>
+            <a:off x="2413214" y="2780928"/>
+            <a:ext cx="2950874" cy="1077824"/>
+          </a:xfrm>
+          <a:prstGeom prst="flowChartDecision">
+            <a:avLst/>
+          </a:prstGeom>
+          <a:solidFill>
+            <a:srgbClr val="FFFF00"/>
+          </a:solidFill>
+        </p:spPr>
+        <p:style>
+          <a:lnRef idx="2">
+            <a:schemeClr val="accent1">
+              <a:shade val="50000"/>
+            </a:schemeClr>
+          </a:lnRef>
+          <a:fillRef idx="1">
+            <a:schemeClr val="accent1"/>
+          </a:fillRef>
+          <a:effectRef idx="0">
+            <a:schemeClr val="accent1"/>
+          </a:effectRef>
+          <a:fontRef idx="minor">
+            <a:schemeClr val="lt1"/>
+          </a:fontRef>
+        </p:style>
+        <p:txBody>
+          <a:bodyPr rtlCol="0" anchor="ctr"/>
+          <a:lstStyle/>
+          <a:p>
+            <a:pPr algn="ctr"/>
+            <a:r>
+              <a:rPr lang="ko-KR" altLang="en-US" smtClean="0">
+                <a:solidFill>
+                  <a:schemeClr val="tx1"/>
+                </a:solidFill>
+              </a:rPr>
+              <a:t>가격급등 리스트 조회</a:t>
+            </a:r>
+            <a:endParaRPr lang="ko-KR" altLang="en-US" dirty="0">
+              <a:solidFill>
+                <a:schemeClr val="tx1"/>
+              </a:solidFill>
+            </a:endParaRPr>
+          </a:p>
+        </p:txBody>
+      </p:sp>
+      <p:sp>
+        <p:nvSpPr>
+          <p:cNvPr id="15" name="TextBox 14"/>
+          <p:cNvSpPr txBox="1"/>
+          <p:nvPr/>
+        </p:nvSpPr>
+        <p:spPr>
+          <a:xfrm>
+            <a:off x="4061695" y="3927262"/>
+            <a:ext cx="624658" cy="369332"/>
+          </a:xfrm>
+          <a:prstGeom prst="rect">
+            <a:avLst/>
+          </a:prstGeom>
+          <a:noFill/>
+        </p:spPr>
+        <p:txBody>
+          <a:bodyPr wrap="none" rtlCol="0">
+            <a:spAutoFit/>
+          </a:bodyPr>
+          <a:lstStyle/>
+          <a:p>
+            <a:r>
+              <a:rPr lang="en-US" altLang="ko-KR" dirty="0" smtClean="0"/>
+              <a:t>True</a:t>
+            </a:r>
+            <a:endParaRPr lang="ko-KR" altLang="en-US" dirty="0"/>
+          </a:p>
+        </p:txBody>
+      </p:sp>
+      <p:sp>
+        <p:nvSpPr>
+          <p:cNvPr id="16" name="TextBox 15"/>
+          <p:cNvSpPr txBox="1"/>
+          <p:nvPr/>
+        </p:nvSpPr>
+        <p:spPr>
+          <a:xfrm>
+            <a:off x="5580112" y="2411596"/>
+            <a:ext cx="689997" cy="369332"/>
+          </a:xfrm>
+          <a:prstGeom prst="rect">
+            <a:avLst/>
+          </a:prstGeom>
+          <a:noFill/>
+        </p:spPr>
+        <p:txBody>
+          <a:bodyPr wrap="none" rtlCol="0">
+            <a:spAutoFit/>
+          </a:bodyPr>
+          <a:lstStyle/>
+          <a:p>
+            <a:r>
+              <a:rPr lang="en-US" altLang="ko-KR" dirty="0" smtClean="0"/>
+              <a:t>False</a:t>
+            </a:r>
+            <a:endParaRPr lang="ko-KR" altLang="en-US" dirty="0"/>
+          </a:p>
+        </p:txBody>
+      </p:sp>
+      <p:cxnSp>
+        <p:nvCxnSpPr>
+          <p:cNvPr id="18" name="꺾인 연결선 17"/>
+          <p:cNvCxnSpPr>
+            <a:stCxn id="9" idx="3"/>
+            <a:endCxn id="4" idx="3"/>
+          </p:cNvCxnSpPr>
+          <p:nvPr/>
+        </p:nvCxnSpPr>
+        <p:spPr>
+          <a:xfrm flipH="1" flipV="1">
+            <a:off x="5292080" y="2012719"/>
+            <a:ext cx="72008" cy="1307121"/>
+          </a:xfrm>
+          <a:prstGeom prst="bentConnector3">
+            <a:avLst>
+              <a:gd name="adj1" fmla="val -317465"/>
+            </a:avLst>
+          </a:prstGeom>
+          <a:ln>
+            <a:tailEnd type="arrow"/>
+          </a:ln>
+        </p:spPr>
+        <p:style>
+          <a:lnRef idx="1">
+            <a:schemeClr val="accent1"/>
+          </a:lnRef>
+          <a:fillRef idx="0">
+            <a:schemeClr val="accent1"/>
+          </a:fillRef>
+          <a:effectRef idx="0">
+            <a:schemeClr val="accent1"/>
+          </a:effectRef>
+          <a:fontRef idx="minor">
+            <a:schemeClr val="tx1"/>
+          </a:fontRef>
+        </p:style>
+      </p:cxnSp>
+      <p:sp>
+        <p:nvSpPr>
+          <p:cNvPr id="20" name="직사각형 19"/>
+          <p:cNvSpPr/>
+          <p:nvPr/>
+        </p:nvSpPr>
+        <p:spPr>
+          <a:xfrm>
+            <a:off x="5724128" y="2780928"/>
+            <a:ext cx="914400" cy="627321"/>
+          </a:xfrm>
+          <a:prstGeom prst="rect">
+            <a:avLst/>
+          </a:prstGeom>
+          <a:solidFill>
+            <a:srgbClr val="FFFF00"/>
+          </a:solidFill>
+        </p:spPr>
+        <p:style>
+          <a:lnRef idx="2">
+            <a:schemeClr val="accent1">
+              <a:shade val="50000"/>
+            </a:schemeClr>
+          </a:lnRef>
+          <a:fillRef idx="1">
+            <a:schemeClr val="accent1"/>
+          </a:fillRef>
+          <a:effectRef idx="0">
+            <a:schemeClr val="accent1"/>
+          </a:effectRef>
+          <a:fontRef idx="minor">
+            <a:schemeClr val="lt1"/>
+          </a:fontRef>
+        </p:style>
+        <p:txBody>
+          <a:bodyPr rtlCol="0" anchor="ctr"/>
+          <a:lstStyle/>
+          <a:p>
+            <a:pPr algn="ctr"/>
+            <a:r>
+              <a:rPr lang="en-US" altLang="ko-KR" dirty="0" smtClean="0">
+                <a:solidFill>
+                  <a:schemeClr val="tx1"/>
+                </a:solidFill>
+              </a:rPr>
+              <a:t>30</a:t>
+            </a:r>
+            <a:r>
+              <a:rPr lang="ko-KR" altLang="en-US" dirty="0" smtClean="0">
+                <a:solidFill>
+                  <a:schemeClr val="tx1"/>
+                </a:solidFill>
+              </a:rPr>
+              <a:t>초 대기</a:t>
+            </a:r>
+            <a:endParaRPr lang="ko-KR" altLang="en-US" dirty="0">
+              <a:solidFill>
+                <a:schemeClr val="tx1"/>
+              </a:solidFill>
+            </a:endParaRPr>
+          </a:p>
+        </p:txBody>
+      </p:sp>
     </p:spTree>
     <p:extLst>
       <p:ext uri="{BB962C8B-B14F-4D97-AF65-F5344CB8AC3E}">
